--- a/kursinis_skaidres.pptx
+++ b/kursinis_skaidres.pptx
@@ -8,10 +8,12 @@
     <p:sldId id="256" r:id="rId2"/>
     <p:sldId id="258" r:id="rId3"/>
     <p:sldId id="257" r:id="rId4"/>
-    <p:sldId id="259" r:id="rId5"/>
-    <p:sldId id="260" r:id="rId6"/>
-    <p:sldId id="262" r:id="rId7"/>
-    <p:sldId id="261" r:id="rId8"/>
+    <p:sldId id="263" r:id="rId5"/>
+    <p:sldId id="259" r:id="rId6"/>
+    <p:sldId id="264" r:id="rId7"/>
+    <p:sldId id="260" r:id="rId8"/>
+    <p:sldId id="262" r:id="rId9"/>
+    <p:sldId id="261" r:id="rId10"/>
   </p:sldIdLst>
   <p:sldSz cx="12192000" cy="6858000"/>
   <p:notesSz cx="6858000" cy="9144000"/>
@@ -110,6 +112,11 @@
       </a:defRPr>
     </a:lvl9pPr>
   </p:defaultTextStyle>
+  <p:extLst>
+    <p:ext uri="{EFAFB233-063F-42B5-8137-9DF3F51BA10A}">
+      <p15:sldGuideLst xmlns:p15="http://schemas.microsoft.com/office/powerpoint/2012/main"/>
+    </p:ext>
+  </p:extLst>
 </p:presentation>
 </file>
 
@@ -4065,6 +4072,139 @@
           <p:cNvPr id="2" name="Title 1">
             <a:extLst>
               <a:ext uri="{FF2B5EF4-FFF2-40B4-BE49-F238E27FC236}">
+                <a16:creationId xmlns:a16="http://schemas.microsoft.com/office/drawing/2014/main" id="{6EA0FC9B-8B02-4B86-B3EC-1361622DB2CD}"/>
+              </a:ext>
+            </a:extLst>
+          </p:cNvPr>
+          <p:cNvSpPr>
+            <a:spLocks noGrp="1"/>
+          </p:cNvSpPr>
+          <p:nvPr>
+            <p:ph type="title"/>
+          </p:nvPr>
+        </p:nvSpPr>
+        <p:spPr/>
+        <p:txBody>
+          <a:bodyPr/>
+          <a:lstStyle/>
+          <a:p>
+            <a:r>
+              <a:rPr lang="en-US" b="1" dirty="0" err="1"/>
+              <a:t>Klasikiniai</a:t>
+            </a:r>
+            <a:r>
+              <a:rPr lang="en-US" b="1" dirty="0"/>
+              <a:t> </a:t>
+            </a:r>
+            <a:r>
+              <a:rPr lang="en-US" b="1" dirty="0" err="1"/>
+              <a:t>algoritmai</a:t>
+            </a:r>
+            <a:endParaRPr lang="en-US" b="1" dirty="0"/>
+          </a:p>
+        </p:txBody>
+      </p:sp>
+      <p:sp>
+        <p:nvSpPr>
+          <p:cNvPr id="3" name="Content Placeholder 2">
+            <a:extLst>
+              <a:ext uri="{FF2B5EF4-FFF2-40B4-BE49-F238E27FC236}">
+                <a16:creationId xmlns:a16="http://schemas.microsoft.com/office/drawing/2014/main" id="{2DD2792B-8E2C-4B39-A2AA-693B169B79CE}"/>
+              </a:ext>
+            </a:extLst>
+          </p:cNvPr>
+          <p:cNvSpPr>
+            <a:spLocks noGrp="1"/>
+          </p:cNvSpPr>
+          <p:nvPr>
+            <p:ph idx="1"/>
+          </p:nvPr>
+        </p:nvSpPr>
+        <p:spPr/>
+        <p:txBody>
+          <a:bodyPr/>
+          <a:lstStyle/>
+          <a:p>
+            <a:r>
+              <a:rPr lang="en-US" dirty="0"/>
+              <a:t>Monte Karlo </a:t>
+            </a:r>
+            <a:r>
+              <a:rPr lang="en-US" dirty="0" err="1"/>
+              <a:t>metodai</a:t>
+            </a:r>
+            <a:endParaRPr lang="en-US" dirty="0"/>
+          </a:p>
+          <a:p>
+            <a:r>
+              <a:rPr lang="en-US" dirty="0"/>
+              <a:t>Q-</a:t>
+            </a:r>
+            <a:r>
+              <a:rPr lang="en-US" dirty="0" err="1"/>
+              <a:t>mokymasis</a:t>
+            </a:r>
+            <a:r>
+              <a:rPr lang="en-US" dirty="0"/>
+              <a:t> (</a:t>
+            </a:r>
+            <a:r>
+              <a:rPr lang="en-US" dirty="0" err="1"/>
+              <a:t>angl.</a:t>
+            </a:r>
+            <a:r>
+              <a:rPr lang="en-US" dirty="0"/>
+              <a:t> Q-learning)</a:t>
+            </a:r>
+          </a:p>
+          <a:p>
+            <a:r>
+              <a:rPr lang="en-US" dirty="0"/>
+              <a:t>Temporal-Difference </a:t>
+            </a:r>
+            <a:r>
+              <a:rPr lang="en-US" dirty="0" err="1"/>
+              <a:t>mokymas</a:t>
+            </a:r>
+            <a:endParaRPr lang="en-US" dirty="0"/>
+          </a:p>
+        </p:txBody>
+      </p:sp>
+    </p:spTree>
+    <p:extLst>
+      <p:ext uri="{BB962C8B-B14F-4D97-AF65-F5344CB8AC3E}">
+        <p14:creationId xmlns:p14="http://schemas.microsoft.com/office/powerpoint/2010/main" val="4214277809"/>
+      </p:ext>
+    </p:extLst>
+  </p:cSld>
+  <p:clrMapOvr>
+    <a:masterClrMapping/>
+  </p:clrMapOvr>
+</p:sld>
+</file>
+
+<file path=ppt/slides/slide5.xml><?xml version="1.0" encoding="utf-8"?>
+<p:sld xmlns:a="http://schemas.openxmlformats.org/drawingml/2006/main" xmlns:r="http://schemas.openxmlformats.org/officeDocument/2006/relationships" xmlns:p="http://schemas.openxmlformats.org/presentationml/2006/main">
+  <p:cSld>
+    <p:spTree>
+      <p:nvGrpSpPr>
+        <p:cNvPr id="1" name=""/>
+        <p:cNvGrpSpPr/>
+        <p:nvPr/>
+      </p:nvGrpSpPr>
+      <p:grpSpPr>
+        <a:xfrm>
+          <a:off x="0" y="0"/>
+          <a:ext cx="0" cy="0"/>
+          <a:chOff x="0" y="0"/>
+          <a:chExt cx="0" cy="0"/>
+        </a:xfrm>
+      </p:grpSpPr>
+      <p:sp>
+        <p:nvSpPr>
+          <p:cNvPr id="2" name="Title 1">
+            <a:extLst>
+              <a:ext uri="{FF2B5EF4-FFF2-40B4-BE49-F238E27FC236}">
                 <a16:creationId xmlns:a16="http://schemas.microsoft.com/office/drawing/2014/main" id="{CB724261-FEE6-4FDF-85A2-639BFC5791D4}"/>
               </a:ext>
             </a:extLst>
@@ -4214,7 +4354,7 @@
 </p:sld>
 </file>
 
-<file path=ppt/slides/slide5.xml><?xml version="1.0" encoding="utf-8"?>
+<file path=ppt/slides/slide6.xml><?xml version="1.0" encoding="utf-8"?>
 <p:sld xmlns:a="http://schemas.openxmlformats.org/drawingml/2006/main" xmlns:r="http://schemas.openxmlformats.org/officeDocument/2006/relationships" xmlns:p="http://schemas.openxmlformats.org/presentationml/2006/main">
   <p:cSld>
     <p:spTree>
@@ -4236,6 +4376,110 @@
           <p:cNvPr id="2" name="Title 1">
             <a:extLst>
               <a:ext uri="{FF2B5EF4-FFF2-40B4-BE49-F238E27FC236}">
+                <a16:creationId xmlns:a16="http://schemas.microsoft.com/office/drawing/2014/main" id="{5DBA4E46-1900-444D-8A1F-EF730241507D}"/>
+              </a:ext>
+            </a:extLst>
+          </p:cNvPr>
+          <p:cNvSpPr>
+            <a:spLocks noGrp="1"/>
+          </p:cNvSpPr>
+          <p:nvPr>
+            <p:ph type="title"/>
+          </p:nvPr>
+        </p:nvSpPr>
+        <p:spPr/>
+        <p:txBody>
+          <a:bodyPr/>
+          <a:lstStyle/>
+          <a:p>
+            <a:r>
+              <a:rPr lang="en-US" b="1" dirty="0"/>
+              <a:t>Modern</a:t>
+            </a:r>
+            <a:r>
+              <a:rPr lang="lt-LT" b="1" dirty="0"/>
+              <a:t>ūs algoritmai</a:t>
+            </a:r>
+            <a:endParaRPr lang="en-US" b="1" dirty="0"/>
+          </a:p>
+        </p:txBody>
+      </p:sp>
+      <p:sp>
+        <p:nvSpPr>
+          <p:cNvPr id="3" name="Content Placeholder 2">
+            <a:extLst>
+              <a:ext uri="{FF2B5EF4-FFF2-40B4-BE49-F238E27FC236}">
+                <a16:creationId xmlns:a16="http://schemas.microsoft.com/office/drawing/2014/main" id="{207F6DBA-30D4-483A-8A38-4DF476DBBA08}"/>
+              </a:ext>
+            </a:extLst>
+          </p:cNvPr>
+          <p:cNvSpPr>
+            <a:spLocks noGrp="1"/>
+          </p:cNvSpPr>
+          <p:nvPr>
+            <p:ph idx="1"/>
+          </p:nvPr>
+        </p:nvSpPr>
+        <p:spPr/>
+        <p:txBody>
+          <a:bodyPr/>
+          <a:lstStyle/>
+          <a:p>
+            <a:r>
+              <a:rPr lang="lt-LT" dirty="0"/>
+              <a:t>AlphaStar (Starcraft 2)</a:t>
+            </a:r>
+          </a:p>
+          <a:p>
+            <a:r>
+              <a:rPr lang="lt-LT" dirty="0"/>
+              <a:t>OpenAI (Dota 2)</a:t>
+            </a:r>
+          </a:p>
+          <a:p>
+            <a:r>
+              <a:rPr lang="lt-LT"/>
+              <a:t>AlphaZero (šachmatai)</a:t>
+            </a:r>
+            <a:endParaRPr lang="en-US"/>
+          </a:p>
+        </p:txBody>
+      </p:sp>
+    </p:spTree>
+    <p:extLst>
+      <p:ext uri="{BB962C8B-B14F-4D97-AF65-F5344CB8AC3E}">
+        <p14:creationId xmlns:p14="http://schemas.microsoft.com/office/powerpoint/2010/main" val="1710721840"/>
+      </p:ext>
+    </p:extLst>
+  </p:cSld>
+  <p:clrMapOvr>
+    <a:masterClrMapping/>
+  </p:clrMapOvr>
+</p:sld>
+</file>
+
+<file path=ppt/slides/slide7.xml><?xml version="1.0" encoding="utf-8"?>
+<p:sld xmlns:a="http://schemas.openxmlformats.org/drawingml/2006/main" xmlns:r="http://schemas.openxmlformats.org/officeDocument/2006/relationships" xmlns:p="http://schemas.openxmlformats.org/presentationml/2006/main">
+  <p:cSld>
+    <p:spTree>
+      <p:nvGrpSpPr>
+        <p:cNvPr id="1" name=""/>
+        <p:cNvGrpSpPr/>
+        <p:nvPr/>
+      </p:nvGrpSpPr>
+      <p:grpSpPr>
+        <a:xfrm>
+          <a:off x="0" y="0"/>
+          <a:ext cx="0" cy="0"/>
+          <a:chOff x="0" y="0"/>
+          <a:chExt cx="0" cy="0"/>
+        </a:xfrm>
+      </p:grpSpPr>
+      <p:sp>
+        <p:nvSpPr>
+          <p:cNvPr id="2" name="Title 1">
+            <a:extLst>
+              <a:ext uri="{FF2B5EF4-FFF2-40B4-BE49-F238E27FC236}">
                 <a16:creationId xmlns:a16="http://schemas.microsoft.com/office/drawing/2014/main" id="{3A6EAABF-2C34-41FE-A7AF-022DF43238F7}"/>
               </a:ext>
             </a:extLst>
@@ -4316,7 +4560,7 @@
 </p:sld>
 </file>
 
-<file path=ppt/slides/slide6.xml><?xml version="1.0" encoding="utf-8"?>
+<file path=ppt/slides/slide8.xml><?xml version="1.0" encoding="utf-8"?>
 <p:sld xmlns:a="http://schemas.openxmlformats.org/drawingml/2006/main" xmlns:r="http://schemas.openxmlformats.org/officeDocument/2006/relationships" xmlns:p="http://schemas.openxmlformats.org/presentationml/2006/main">
   <p:cSld>
     <p:spTree>
@@ -4385,7 +4629,7 @@
 </p:sld>
 </file>
 
-<file path=ppt/slides/slide7.xml><?xml version="1.0" encoding="utf-8"?>
+<file path=ppt/slides/slide9.xml><?xml version="1.0" encoding="utf-8"?>
 <p:sld xmlns:a="http://schemas.openxmlformats.org/drawingml/2006/main" xmlns:r="http://schemas.openxmlformats.org/officeDocument/2006/relationships" xmlns:p="http://schemas.openxmlformats.org/presentationml/2006/main">
   <p:cSld>
     <p:spTree>
